--- a/Document/project Mid-progress.pptx.pptx
+++ b/Document/project Mid-progress.pptx.pptx
@@ -138,6 +138,51 @@
 </p:presentation>
 </file>
 
+<file path=ppt/revisionInfo.xml><?xml version="1.0" encoding="utf-8"?>
+<p1510:revInfo xmlns:a="http://schemas.openxmlformats.org/drawingml/2006/main" xmlns:r="http://schemas.openxmlformats.org/officeDocument/2006/relationships" xmlns:p1510="http://schemas.microsoft.com/office/powerpoint/2015/10/main">
+  <p1510:revLst>
+    <p1510:client id="{D05D0402-8B81-4DE5-A936-B527C2A0752C}" v="5" dt="2020-03-16T20:46:06.260"/>
+  </p1510:revLst>
+</p1510:revInfo>
+</file>
+
+<file path=ppt/changesInfos/changesInfo1.xml><?xml version="1.0" encoding="utf-8"?>
+<pc:chgInfo xmlns:a="http://schemas.openxmlformats.org/drawingml/2006/main" xmlns:r="http://schemas.openxmlformats.org/officeDocument/2006/relationships" xmlns:ac="http://schemas.microsoft.com/office/drawing/2013/main/command" xmlns:pc="http://schemas.microsoft.com/office/powerpoint/2013/main/command">
+  <pc:docChgLst>
+    <pc:chgData name="omar.alkhiami.notebook@outlook.com" userId="97f9e802ba54ef66" providerId="LiveId" clId="{D05D0402-8B81-4DE5-A936-B527C2A0752C}"/>
+    <pc:docChg chg="custSel modSld">
+      <pc:chgData name="omar.alkhiami.notebook@outlook.com" userId="97f9e802ba54ef66" providerId="LiveId" clId="{D05D0402-8B81-4DE5-A936-B527C2A0752C}" dt="2020-03-16T20:46:23.363" v="56" actId="20577"/>
+      <pc:docMkLst>
+        <pc:docMk/>
+      </pc:docMkLst>
+      <pc:sldChg chg="addSp modSp">
+        <pc:chgData name="omar.alkhiami.notebook@outlook.com" userId="97f9e802ba54ef66" providerId="LiveId" clId="{D05D0402-8B81-4DE5-A936-B527C2A0752C}" dt="2020-03-16T20:46:23.363" v="56" actId="20577"/>
+        <pc:sldMkLst>
+          <pc:docMk/>
+          <pc:sldMk cId="4076393841" sldId="273"/>
+        </pc:sldMkLst>
+        <pc:spChg chg="add mod">
+          <ac:chgData name="omar.alkhiami.notebook@outlook.com" userId="97f9e802ba54ef66" providerId="LiveId" clId="{D05D0402-8B81-4DE5-A936-B527C2A0752C}" dt="2020-03-16T20:46:23.363" v="56" actId="20577"/>
+          <ac:spMkLst>
+            <pc:docMk/>
+            <pc:sldMk cId="4076393841" sldId="273"/>
+            <ac:spMk id="3" creationId="{AD2FA1CA-E014-432F-930D-B6A25A26F5BA}"/>
+          </ac:spMkLst>
+        </pc:spChg>
+        <pc:picChg chg="mod">
+          <ac:chgData name="omar.alkhiami.notebook@outlook.com" userId="97f9e802ba54ef66" providerId="LiveId" clId="{D05D0402-8B81-4DE5-A936-B527C2A0752C}" dt="2020-03-16T20:41:47.126" v="0" actId="1076"/>
+          <ac:picMkLst>
+            <pc:docMk/>
+            <pc:sldMk cId="4076393841" sldId="273"/>
+            <ac:picMk id="5" creationId="{ABD2059C-5C08-4341-A09B-F0DAC8735832}"/>
+          </ac:picMkLst>
+        </pc:picChg>
+      </pc:sldChg>
+    </pc:docChg>
+  </pc:docChgLst>
+</pc:chgInfo>
+</file>
+
 <file path=ppt/slideLayouts/slideLayout1.xml><?xml version="1.0" encoding="utf-8"?>
 <p:sldLayout xmlns:a="http://schemas.openxmlformats.org/drawingml/2006/main" xmlns:r="http://schemas.openxmlformats.org/officeDocument/2006/relationships" xmlns:p="http://schemas.openxmlformats.org/presentationml/2006/main" type="title" preserve="1">
   <p:cSld name="Title Slide">
@@ -377,7 +422,7 @@
             <a:fld id="{ED291B17-9318-49DB-B28B-6E5994AE9581}" type="datetime1">
               <a:rPr lang="en-US" smtClean="0"/>
               <a:pPr/>
-              <a:t>3/15/2020</a:t>
+              <a:t>3/16/2020</a:t>
             </a:fld>
             <a:endParaRPr lang="en-US" dirty="0"/>
           </a:p>
@@ -582,7 +627,7 @@
             <a:fld id="{2CED4963-E985-44C4-B8C4-FDD613B7C2F8}" type="datetime1">
               <a:rPr lang="en-US" smtClean="0"/>
               <a:pPr/>
-              <a:t>3/15/2020</a:t>
+              <a:t>3/16/2020</a:t>
             </a:fld>
             <a:endParaRPr lang="en-US" dirty="0"/>
           </a:p>
@@ -946,7 +991,7 @@
             <a:fld id="{ED291B17-9318-49DB-B28B-6E5994AE9581}" type="datetime1">
               <a:rPr lang="en-US" smtClean="0"/>
               <a:pPr/>
-              <a:t>3/15/2020</a:t>
+              <a:t>3/16/2020</a:t>
             </a:fld>
             <a:endParaRPr lang="en-US" dirty="0"/>
           </a:p>
@@ -1146,7 +1191,7 @@
             <a:fld id="{78DD82B9-B8EE-4375-B6FF-88FA6ABB15D9}" type="datetime1">
               <a:rPr lang="en-US" smtClean="0"/>
               <a:pPr/>
-              <a:t>3/15/2020</a:t>
+              <a:t>3/16/2020</a:t>
             </a:fld>
             <a:endParaRPr lang="en-US" dirty="0"/>
           </a:p>
@@ -1460,7 +1505,7 @@
             <a:fld id="{B2497495-0637-405E-AE64-5CC7506D51F5}" type="datetime1">
               <a:rPr lang="en-US" smtClean="0"/>
               <a:pPr/>
-              <a:t>3/15/2020</a:t>
+              <a:t>3/16/2020</a:t>
             </a:fld>
             <a:endParaRPr lang="en-US" dirty="0"/>
           </a:p>
@@ -1715,7 +1760,7 @@
             <a:fld id="{7BFFD690-9426-415D-8B65-26881E07B2D4}" type="datetime1">
               <a:rPr lang="en-US" smtClean="0"/>
               <a:pPr/>
-              <a:t>3/15/2020</a:t>
+              <a:t>3/16/2020</a:t>
             </a:fld>
             <a:endParaRPr lang="en-US" dirty="0"/>
           </a:p>
@@ -2139,7 +2184,7 @@
             <a:fld id="{04C4989A-474C-40DE-95B9-011C28B71673}" type="datetime1">
               <a:rPr lang="en-US" smtClean="0"/>
               <a:pPr/>
-              <a:t>3/15/2020</a:t>
+              <a:t>3/16/2020</a:t>
             </a:fld>
             <a:endParaRPr lang="en-US" dirty="0"/>
           </a:p>
@@ -2264,7 +2309,7 @@
             <a:fld id="{5DB4ED54-5B5E-4A04-93D3-5772E3CE3818}" type="datetime1">
               <a:rPr lang="en-US" smtClean="0"/>
               <a:pPr/>
-              <a:t>3/15/2020</a:t>
+              <a:t>3/16/2020</a:t>
             </a:fld>
             <a:endParaRPr lang="en-US" dirty="0"/>
           </a:p>
@@ -2361,7 +2406,7 @@
             <a:fld id="{4EDE50D6-574B-40AF-946F-D52A04ADE379}" type="datetime1">
               <a:rPr lang="en-US" smtClean="0"/>
               <a:pPr/>
-              <a:t>3/15/2020</a:t>
+              <a:t>3/16/2020</a:t>
             </a:fld>
             <a:endParaRPr lang="en-US" dirty="0"/>
           </a:p>
@@ -2740,7 +2785,7 @@
             <a:fld id="{D82884F1-FFEA-405F-9602-3DCA865EDA4E}" type="datetime1">
               <a:rPr lang="en-US" smtClean="0"/>
               <a:pPr/>
-              <a:t>3/15/2020</a:t>
+              <a:t>3/16/2020</a:t>
             </a:fld>
             <a:endParaRPr lang="en-US" dirty="0"/>
           </a:p>
@@ -3034,7 +3079,7 @@
             <a:fld id="{7E18DB4A-8810-4A10-AD5C-D5E2C667F5B3}" type="datetime1">
               <a:rPr lang="en-US" smtClean="0"/>
               <a:pPr/>
-              <a:t>3/15/2020</a:t>
+              <a:t>3/16/2020</a:t>
             </a:fld>
             <a:endParaRPr lang="en-US" dirty="0"/>
           </a:p>
@@ -3251,7 +3296,7 @@
             <a:fld id="{ED291B17-9318-49DB-B28B-6E5994AE9581}" type="datetime1">
               <a:rPr lang="en-US" smtClean="0"/>
               <a:pPr/>
-              <a:t>3/15/2020</a:t>
+              <a:t>3/16/2020</a:t>
             </a:fld>
             <a:endParaRPr lang="en-US" dirty="0"/>
           </a:p>
@@ -6100,11 +6145,72 @@
         </p:blipFill>
         <p:spPr>
           <a:xfrm>
-            <a:off x="2142699" y="2885161"/>
+            <a:off x="2416594" y="1927218"/>
             <a:ext cx="7085855" cy="2567665"/>
           </a:xfrm>
         </p:spPr>
       </p:pic>
+      <p:sp>
+        <p:nvSpPr>
+          <p:cNvPr id="3" name="TextBox 2">
+            <a:extLst>
+              <a:ext uri="{FF2B5EF4-FFF2-40B4-BE49-F238E27FC236}">
+                <a16:creationId xmlns:a16="http://schemas.microsoft.com/office/drawing/2014/main" id="{AD2FA1CA-E014-432F-930D-B6A25A26F5BA}"/>
+              </a:ext>
+            </a:extLst>
+          </p:cNvPr>
+          <p:cNvSpPr txBox="1"/>
+          <p:nvPr/>
+        </p:nvSpPr>
+        <p:spPr>
+          <a:xfrm>
+            <a:off x="2416594" y="4941455"/>
+            <a:ext cx="8657806" cy="923330"/>
+          </a:xfrm>
+          <a:prstGeom prst="rect">
+            <a:avLst/>
+          </a:prstGeom>
+          <a:noFill/>
+        </p:spPr>
+        <p:txBody>
+          <a:bodyPr wrap="square" rtlCol="0">
+            <a:spAutoFit/>
+          </a:bodyPr>
+          <a:lstStyle/>
+          <a:p>
+            <a:r>
+              <a:rPr lang="en-US" b="1" dirty="0"/>
+              <a:t>GitHub link:   </a:t>
+            </a:r>
+            <a:r>
+              <a:rPr lang="en-US" b="1" dirty="0">
+                <a:hlinkClick r:id="rId3"/>
+              </a:rPr>
+              <a:t>https://github.com/Alshaikh1abbas/CS5525-CC</a:t>
+            </a:r>
+            <a:endParaRPr lang="en-US" b="1" dirty="0"/>
+          </a:p>
+          <a:p>
+            <a:endParaRPr lang="en-US" b="1" dirty="0"/>
+          </a:p>
+          <a:p>
+            <a:r>
+              <a:rPr lang="en-US" b="1" dirty="0"/>
+              <a:t>Trello link:      </a:t>
+            </a:r>
+            <a:r>
+              <a:rPr lang="en-US" b="1" u="sng" dirty="0">
+                <a:hlinkClick r:id="rId4"/>
+              </a:rPr>
+              <a:t>https://trello.com/b/BDzQp7CH/overall-tasks</a:t>
+            </a:r>
+            <a:r>
+              <a:rPr lang="en-US" b="1" u="sng" dirty="0"/>
+              <a:t> </a:t>
+            </a:r>
+          </a:p>
+        </p:txBody>
+      </p:sp>
     </p:spTree>
     <p:extLst>
       <p:ext uri="{BB962C8B-B14F-4D97-AF65-F5344CB8AC3E}">
